--- a/Odev.pptx
+++ b/Odev.pptx
@@ -5,10 +5,11 @@
     <p:sldMasterId id="2147483648" r:id="rId1"/>
   </p:sldMasterIdLst>
   <p:sldIdLst>
-    <p:sldId id="256" r:id="rId2"/>
-    <p:sldId id="257" r:id="rId3"/>
-    <p:sldId id="258" r:id="rId4"/>
-    <p:sldId id="259" r:id="rId5"/>
+    <p:sldId id="260" r:id="rId2"/>
+    <p:sldId id="256" r:id="rId3"/>
+    <p:sldId id="257" r:id="rId4"/>
+    <p:sldId id="258" r:id="rId5"/>
+    <p:sldId id="259" r:id="rId6"/>
   </p:sldIdLst>
   <p:sldSz cx="12192000" cy="6858000"/>
   <p:notesSz cx="6858000" cy="9144000"/>
@@ -107,6 +108,28 @@
       </a:defRPr>
     </a:lvl9pPr>
   </p:defaultTextStyle>
+  <p:extLst>
+    <p:ext uri="{521415D9-36F7-43E2-AB2F-B90AF26B5E84}">
+      <p14:sectionLst xmlns:p14="http://schemas.microsoft.com/office/powerpoint/2010/main">
+        <p14:section name="Hakkımda" id="{EAEA6629-066A-4BC8-AEFD-48CC61598453}">
+          <p14:sldIdLst>
+            <p14:sldId id="260"/>
+          </p14:sldIdLst>
+        </p14:section>
+        <p14:section name="1. Hafta Pazartesi" id="{C09A6438-575C-4646-89BC-611E45329D33}">
+          <p14:sldIdLst>
+            <p14:sldId id="256"/>
+            <p14:sldId id="257"/>
+            <p14:sldId id="258"/>
+            <p14:sldId id="259"/>
+          </p14:sldIdLst>
+        </p14:section>
+      </p14:sectionLst>
+    </p:ext>
+    <p:ext uri="{EFAFB233-063F-42B5-8137-9DF3F51BA10A}">
+      <p15:sldGuideLst xmlns:p15="http://schemas.microsoft.com/office/powerpoint/2012/main"/>
+    </p:ext>
+  </p:extLst>
 </p:presentation>
 </file>
 
@@ -257,7 +280,7 @@
           <a:p>
             <a:fld id="{A14F5C3F-0984-4EB2-A599-425231D102D3}" type="datetimeFigureOut">
               <a:rPr lang="tr-TR" smtClean="0"/>
-              <a:t>23.05.2022</a:t>
+              <a:t>25.05.2022</a:t>
             </a:fld>
             <a:endParaRPr lang="tr-TR"/>
           </a:p>
@@ -455,7 +478,7 @@
           <a:p>
             <a:fld id="{A14F5C3F-0984-4EB2-A599-425231D102D3}" type="datetimeFigureOut">
               <a:rPr lang="tr-TR" smtClean="0"/>
-              <a:t>23.05.2022</a:t>
+              <a:t>25.05.2022</a:t>
             </a:fld>
             <a:endParaRPr lang="tr-TR"/>
           </a:p>
@@ -663,7 +686,7 @@
           <a:p>
             <a:fld id="{A14F5C3F-0984-4EB2-A599-425231D102D3}" type="datetimeFigureOut">
               <a:rPr lang="tr-TR" smtClean="0"/>
-              <a:t>23.05.2022</a:t>
+              <a:t>25.05.2022</a:t>
             </a:fld>
             <a:endParaRPr lang="tr-TR"/>
           </a:p>
@@ -861,7 +884,7 @@
           <a:p>
             <a:fld id="{A14F5C3F-0984-4EB2-A599-425231D102D3}" type="datetimeFigureOut">
               <a:rPr lang="tr-TR" smtClean="0"/>
-              <a:t>23.05.2022</a:t>
+              <a:t>25.05.2022</a:t>
             </a:fld>
             <a:endParaRPr lang="tr-TR"/>
           </a:p>
@@ -1136,7 +1159,7 @@
           <a:p>
             <a:fld id="{A14F5C3F-0984-4EB2-A599-425231D102D3}" type="datetimeFigureOut">
               <a:rPr lang="tr-TR" smtClean="0"/>
-              <a:t>23.05.2022</a:t>
+              <a:t>25.05.2022</a:t>
             </a:fld>
             <a:endParaRPr lang="tr-TR"/>
           </a:p>
@@ -1401,7 +1424,7 @@
           <a:p>
             <a:fld id="{A14F5C3F-0984-4EB2-A599-425231D102D3}" type="datetimeFigureOut">
               <a:rPr lang="tr-TR" smtClean="0"/>
-              <a:t>23.05.2022</a:t>
+              <a:t>25.05.2022</a:t>
             </a:fld>
             <a:endParaRPr lang="tr-TR"/>
           </a:p>
@@ -1813,7 +1836,7 @@
           <a:p>
             <a:fld id="{A14F5C3F-0984-4EB2-A599-425231D102D3}" type="datetimeFigureOut">
               <a:rPr lang="tr-TR" smtClean="0"/>
-              <a:t>23.05.2022</a:t>
+              <a:t>25.05.2022</a:t>
             </a:fld>
             <a:endParaRPr lang="tr-TR"/>
           </a:p>
@@ -1954,7 +1977,7 @@
           <a:p>
             <a:fld id="{A14F5C3F-0984-4EB2-A599-425231D102D3}" type="datetimeFigureOut">
               <a:rPr lang="tr-TR" smtClean="0"/>
-              <a:t>23.05.2022</a:t>
+              <a:t>25.05.2022</a:t>
             </a:fld>
             <a:endParaRPr lang="tr-TR"/>
           </a:p>
@@ -2067,7 +2090,7 @@
           <a:p>
             <a:fld id="{A14F5C3F-0984-4EB2-A599-425231D102D3}" type="datetimeFigureOut">
               <a:rPr lang="tr-TR" smtClean="0"/>
-              <a:t>23.05.2022</a:t>
+              <a:t>25.05.2022</a:t>
             </a:fld>
             <a:endParaRPr lang="tr-TR"/>
           </a:p>
@@ -2378,7 +2401,7 @@
           <a:p>
             <a:fld id="{A14F5C3F-0984-4EB2-A599-425231D102D3}" type="datetimeFigureOut">
               <a:rPr lang="tr-TR" smtClean="0"/>
-              <a:t>23.05.2022</a:t>
+              <a:t>25.05.2022</a:t>
             </a:fld>
             <a:endParaRPr lang="tr-TR"/>
           </a:p>
@@ -2666,7 +2689,7 @@
           <a:p>
             <a:fld id="{A14F5C3F-0984-4EB2-A599-425231D102D3}" type="datetimeFigureOut">
               <a:rPr lang="tr-TR" smtClean="0"/>
-              <a:t>23.05.2022</a:t>
+              <a:t>25.05.2022</a:t>
             </a:fld>
             <a:endParaRPr lang="tr-TR"/>
           </a:p>
@@ -2907,7 +2930,7 @@
           <a:p>
             <a:fld id="{A14F5C3F-0984-4EB2-A599-425231D102D3}" type="datetimeFigureOut">
               <a:rPr lang="tr-TR" smtClean="0"/>
-              <a:t>23.05.2022</a:t>
+              <a:t>25.05.2022</a:t>
             </a:fld>
             <a:endParaRPr lang="tr-TR"/>
           </a:p>
@@ -3374,8 +3397,8 @@
         </p:nvSpPr>
         <p:spPr>
           <a:xfrm>
-            <a:off x="499621" y="1192491"/>
-            <a:ext cx="10501460" cy="2369880"/>
+            <a:off x="3916837" y="2505670"/>
+            <a:ext cx="4358326" cy="1846659"/>
           </a:xfrm>
           <a:prstGeom prst="rect">
             <a:avLst/>
@@ -3388,22 +3411,18 @@
           </a:bodyPr>
           <a:lstStyle/>
           <a:p>
-            <a:pPr marL="342900" indent="-342900">
-              <a:buAutoNum type="arabicParenR"/>
-            </a:pPr>
-            <a:r>
-              <a:rPr lang="tr-TR" sz="2400" b="1" i="0" dirty="0">
-                <a:solidFill>
-                  <a:srgbClr val="24292F"/>
-                </a:solidFill>
-                <a:effectLst/>
-                <a:latin typeface="-apple-system"/>
-              </a:rPr>
-              <a:t>URL ve URI arasındaki farklar nelerdir?</a:t>
-            </a:r>
-          </a:p>
-          <a:p>
-            <a:endParaRPr lang="tr-TR" b="1" dirty="0">
+            <a:r>
+              <a:rPr lang="tr-TR" sz="3200" b="1" dirty="0">
+                <a:solidFill>
+                  <a:srgbClr val="24292F"/>
+                </a:solidFill>
+                <a:latin typeface="-apple-system"/>
+              </a:rPr>
+              <a:t>İbrahim BAYRAMLI</a:t>
+            </a:r>
+          </a:p>
+          <a:p>
+            <a:endParaRPr lang="tr-TR" sz="3200" b="1" dirty="0">
               <a:solidFill>
                 <a:srgbClr val="24292F"/>
               </a:solidFill>
@@ -3412,34 +3431,16 @@
           </a:p>
           <a:p>
             <a:r>
-              <a:rPr lang="tr-TR" sz="1400" dirty="0">
-                <a:solidFill>
-                  <a:srgbClr val="24292F"/>
-                </a:solidFill>
-                <a:latin typeface="-apple-system"/>
-              </a:rPr>
-              <a:t>URL (</a:t>
-            </a:r>
-            <a:r>
-              <a:rPr lang="tr-TR" sz="1400" b="1" dirty="0" err="1">
-                <a:solidFill>
-                  <a:srgbClr val="24292F"/>
-                </a:solidFill>
-                <a:latin typeface="-apple-system"/>
-              </a:rPr>
-              <a:t>U</a:t>
-            </a:r>
-            <a:r>
-              <a:rPr lang="tr-TR" sz="1400" dirty="0" err="1">
-                <a:solidFill>
-                  <a:srgbClr val="24292F"/>
-                </a:solidFill>
-                <a:latin typeface="-apple-system"/>
-              </a:rPr>
-              <a:t>niform</a:t>
-            </a:r>
-            <a:r>
-              <a:rPr lang="tr-TR" sz="1400" dirty="0">
+              <a:rPr lang="tr-TR" sz="3200" b="1" dirty="0" err="1">
+                <a:solidFill>
+                  <a:srgbClr val="24292F"/>
+                </a:solidFill>
+                <a:latin typeface="-apple-system"/>
+              </a:rPr>
+              <a:t>Atmosware</a:t>
+            </a:r>
+            <a:r>
+              <a:rPr lang="tr-TR" sz="3200" b="1" dirty="0">
                 <a:solidFill>
                   <a:srgbClr val="24292F"/>
                 </a:solidFill>
@@ -3448,163 +3449,15 @@
               <a:t> </a:t>
             </a:r>
             <a:r>
-              <a:rPr lang="tr-TR" sz="1400" b="1" dirty="0">
-                <a:solidFill>
-                  <a:srgbClr val="24292F"/>
-                </a:solidFill>
-                <a:latin typeface="-apple-system"/>
-              </a:rPr>
-              <a:t>R</a:t>
-            </a:r>
-            <a:r>
-              <a:rPr lang="tr-TR" sz="1400" dirty="0">
-                <a:solidFill>
-                  <a:srgbClr val="24292F"/>
-                </a:solidFill>
-                <a:latin typeface="-apple-system"/>
-              </a:rPr>
-              <a:t>esource </a:t>
-            </a:r>
-            <a:r>
-              <a:rPr lang="tr-TR" sz="1400" b="1" dirty="0" err="1">
-                <a:solidFill>
-                  <a:srgbClr val="24292F"/>
-                </a:solidFill>
-                <a:latin typeface="-apple-system"/>
-              </a:rPr>
-              <a:t>L</a:t>
-            </a:r>
-            <a:r>
-              <a:rPr lang="tr-TR" sz="1400" dirty="0" err="1">
-                <a:solidFill>
-                  <a:srgbClr val="24292F"/>
-                </a:solidFill>
-                <a:latin typeface="-apple-system"/>
-              </a:rPr>
-              <a:t>ocator</a:t>
-            </a:r>
-            <a:r>
-              <a:rPr lang="tr-TR" sz="1400" dirty="0">
-                <a:solidFill>
-                  <a:srgbClr val="24292F"/>
-                </a:solidFill>
-                <a:latin typeface="-apple-system"/>
-              </a:rPr>
-              <a:t>) bir web sayfasının konumunu gösterir. Örneğin https://www.patika.dev/ bir URL’dir.</a:t>
-            </a:r>
-          </a:p>
-          <a:p>
-            <a:endParaRPr lang="tr-TR" sz="1400" i="0" dirty="0">
-              <a:solidFill>
-                <a:srgbClr val="24292F"/>
-              </a:solidFill>
-              <a:effectLst/>
-              <a:latin typeface="-apple-system"/>
-            </a:endParaRPr>
-          </a:p>
-          <a:p>
-            <a:r>
-              <a:rPr lang="tr-TR" sz="1400" dirty="0">
-                <a:solidFill>
-                  <a:srgbClr val="24292F"/>
-                </a:solidFill>
-                <a:latin typeface="-apple-system"/>
-              </a:rPr>
-              <a:t>URI (</a:t>
-            </a:r>
-            <a:r>
-              <a:rPr lang="tr-TR" sz="1400" b="1" dirty="0" err="1">
-                <a:solidFill>
-                  <a:srgbClr val="24292F"/>
-                </a:solidFill>
-                <a:latin typeface="-apple-system"/>
-              </a:rPr>
-              <a:t>U</a:t>
-            </a:r>
-            <a:r>
-              <a:rPr lang="tr-TR" sz="1400" dirty="0" err="1">
-                <a:solidFill>
-                  <a:srgbClr val="24292F"/>
-                </a:solidFill>
-                <a:latin typeface="-apple-system"/>
-              </a:rPr>
-              <a:t>niform</a:t>
-            </a:r>
-            <a:r>
-              <a:rPr lang="tr-TR" sz="1400" dirty="0">
-                <a:solidFill>
-                  <a:srgbClr val="24292F"/>
-                </a:solidFill>
-                <a:latin typeface="-apple-system"/>
-              </a:rPr>
-              <a:t> </a:t>
-            </a:r>
-            <a:r>
-              <a:rPr lang="tr-TR" sz="1400" b="1" dirty="0">
-                <a:solidFill>
-                  <a:srgbClr val="24292F"/>
-                </a:solidFill>
-                <a:latin typeface="-apple-system"/>
-              </a:rPr>
-              <a:t>R</a:t>
-            </a:r>
-            <a:r>
-              <a:rPr lang="tr-TR" sz="1400" dirty="0">
-                <a:solidFill>
-                  <a:srgbClr val="24292F"/>
-                </a:solidFill>
-                <a:latin typeface="-apple-system"/>
-              </a:rPr>
-              <a:t>esource </a:t>
-            </a:r>
-            <a:r>
-              <a:rPr lang="tr-TR" sz="1400" b="1" dirty="0" err="1">
-                <a:solidFill>
-                  <a:srgbClr val="24292F"/>
-                </a:solidFill>
-                <a:latin typeface="-apple-system"/>
-              </a:rPr>
-              <a:t>I</a:t>
-            </a:r>
-            <a:r>
-              <a:rPr lang="tr-TR" sz="1400" dirty="0" err="1">
-                <a:solidFill>
-                  <a:srgbClr val="24292F"/>
-                </a:solidFill>
-                <a:latin typeface="-apple-system"/>
-              </a:rPr>
-              <a:t>dentifier</a:t>
-            </a:r>
-            <a:r>
-              <a:rPr lang="tr-TR" sz="1400" dirty="0">
-                <a:solidFill>
-                  <a:srgbClr val="24292F"/>
-                </a:solidFill>
-                <a:latin typeface="-apple-system"/>
-              </a:rPr>
-              <a:t>) ise bir web sayfasında kaynağı gösterir. https://app.patika.dev/courses/java-spring-boot/ bir </a:t>
-            </a:r>
-            <a:r>
-              <a:rPr lang="tr-TR" sz="1400" dirty="0" err="1">
-                <a:solidFill>
-                  <a:srgbClr val="24292F"/>
-                </a:solidFill>
-                <a:latin typeface="-apple-system"/>
-              </a:rPr>
-              <a:t>URI’dir</a:t>
-            </a:r>
-            <a:r>
-              <a:rPr lang="tr-TR" sz="1400" dirty="0">
-                <a:solidFill>
-                  <a:srgbClr val="24292F"/>
-                </a:solidFill>
-                <a:latin typeface="-apple-system"/>
-              </a:rPr>
-              <a:t>. </a:t>
-            </a:r>
-          </a:p>
-          <a:p>
-            <a:endParaRPr lang="tr-TR" sz="1400" dirty="0">
+              <a:rPr lang="tr-TR" sz="3200" b="1" dirty="0" err="1">
+                <a:solidFill>
+                  <a:srgbClr val="24292F"/>
+                </a:solidFill>
+                <a:latin typeface="-apple-system"/>
+              </a:rPr>
+              <a:t>Bootcamp</a:t>
+            </a:r>
+            <a:endParaRPr lang="tr-TR" sz="3200" b="1" dirty="0">
               <a:solidFill>
                 <a:srgbClr val="24292F"/>
               </a:solidFill>
@@ -3612,68 +3465,14 @@
             </a:endParaRPr>
           </a:p>
           <a:p>
-            <a:r>
-              <a:rPr lang="tr-TR" sz="1400" dirty="0">
-                <a:solidFill>
-                  <a:srgbClr val="24292F"/>
-                </a:solidFill>
-                <a:latin typeface="-apple-system"/>
-              </a:rPr>
-              <a:t>URL ile URI arasındaki temel fark URI bir kaynağın alt serverda bulunan alt dizine yani alt sayfaya giden URL’nin alt dizinidir.</a:t>
-            </a:r>
-          </a:p>
-          <a:p>
-            <a:endParaRPr lang="tr-TR" dirty="0">
-              <a:solidFill>
-                <a:srgbClr val="24292F"/>
-              </a:solidFill>
-              <a:latin typeface="-apple-system"/>
-            </a:endParaRPr>
-          </a:p>
-          <a:p>
             <a:endParaRPr lang="tr-TR" dirty="0"/>
-          </a:p>
-        </p:txBody>
-      </p:sp>
-      <p:sp>
-        <p:nvSpPr>
-          <p:cNvPr id="7" name="Metin kutusu 6">
-            <a:extLst>
-              <a:ext uri="{FF2B5EF4-FFF2-40B4-BE49-F238E27FC236}">
-                <a16:creationId xmlns:a16="http://schemas.microsoft.com/office/drawing/2014/main" id="{005D5E2F-B8FD-3DD0-9BF1-88DB44BA54BE}"/>
-              </a:ext>
-            </a:extLst>
-          </p:cNvPr>
-          <p:cNvSpPr txBox="1"/>
-          <p:nvPr/>
-        </p:nvSpPr>
-        <p:spPr>
-          <a:xfrm>
-            <a:off x="10454327" y="6325385"/>
-            <a:ext cx="1574276" cy="307777"/>
-          </a:xfrm>
-          <a:prstGeom prst="rect">
-            <a:avLst/>
-          </a:prstGeom>
-          <a:noFill/>
-        </p:spPr>
-        <p:txBody>
-          <a:bodyPr wrap="square" rtlCol="0">
-            <a:spAutoFit/>
-          </a:bodyPr>
-          <a:lstStyle/>
-          <a:p>
-            <a:r>
-              <a:rPr lang="tr-TR" sz="1400" dirty="0"/>
-              <a:t>İbrahim BAYRAMLI</a:t>
-            </a:r>
           </a:p>
         </p:txBody>
       </p:sp>
     </p:spTree>
     <p:extLst>
       <p:ext uri="{BB962C8B-B14F-4D97-AF65-F5344CB8AC3E}">
-        <p14:creationId xmlns:p14="http://schemas.microsoft.com/office/powerpoint/2010/main" val="1538745011"/>
+        <p14:creationId xmlns:p14="http://schemas.microsoft.com/office/powerpoint/2010/main" val="45107919"/>
       </p:ext>
     </p:extLst>
   </p:cSld>
@@ -3751,7 +3550,7 @@
         <p:spPr>
           <a:xfrm>
             <a:off x="499621" y="1192491"/>
-            <a:ext cx="10501460" cy="1569660"/>
+            <a:ext cx="10501460" cy="2369880"/>
           </a:xfrm>
           <a:prstGeom prst="rect">
             <a:avLst/>
@@ -3764,16 +3563,9 @@
           </a:bodyPr>
           <a:lstStyle/>
           <a:p>
-            <a:pPr algn="l"/>
-            <a:r>
-              <a:rPr lang="tr-TR" sz="2400" b="1" dirty="0">
-                <a:solidFill>
-                  <a:srgbClr val="24292F"/>
-                </a:solidFill>
-                <a:latin typeface="-apple-system"/>
-              </a:rPr>
-              <a:t>2) </a:t>
-            </a:r>
+            <a:pPr marL="342900" indent="-342900">
+              <a:buAutoNum type="arabicParenR"/>
+            </a:pPr>
             <a:r>
               <a:rPr lang="tr-TR" sz="2400" b="1" i="0" dirty="0">
                 <a:solidFill>
@@ -3782,7 +3574,7 @@
                 <a:effectLst/>
                 <a:latin typeface="-apple-system"/>
               </a:rPr>
-              <a:t>HTTP yapısı nedir ne için kullanılır?</a:t>
+              <a:t>URL ve URI arasındaki farklar nelerdir?</a:t>
             </a:r>
           </a:p>
           <a:p>
@@ -3795,23 +3587,223 @@
           </a:p>
           <a:p>
             <a:r>
-              <a:rPr lang="tr-TR" dirty="0" err="1">
-                <a:solidFill>
-                  <a:srgbClr val="24292F"/>
-                </a:solidFill>
-                <a:latin typeface="-apple-system"/>
-              </a:rPr>
-              <a:t>Hypertext</a:t>
-            </a:r>
-            <a:r>
-              <a:rPr lang="tr-TR" dirty="0">
-                <a:solidFill>
-                  <a:srgbClr val="24292F"/>
-                </a:solidFill>
-                <a:latin typeface="-apple-system"/>
-              </a:rPr>
-              <a:t> Transfer Protocol olarak kısaltılır. İstemciden sunuculara talep gönderme ve gelen cevapların karşılanması için istemci ve sunucu arasındaki bağlantının protokolüdür.</a:t>
-            </a:r>
+              <a:rPr lang="tr-TR" sz="1400" dirty="0">
+                <a:solidFill>
+                  <a:srgbClr val="24292F"/>
+                </a:solidFill>
+                <a:latin typeface="-apple-system"/>
+              </a:rPr>
+              <a:t>URL (</a:t>
+            </a:r>
+            <a:r>
+              <a:rPr lang="tr-TR" sz="1400" b="1" dirty="0" err="1">
+                <a:solidFill>
+                  <a:srgbClr val="24292F"/>
+                </a:solidFill>
+                <a:latin typeface="-apple-system"/>
+              </a:rPr>
+              <a:t>U</a:t>
+            </a:r>
+            <a:r>
+              <a:rPr lang="tr-TR" sz="1400" dirty="0" err="1">
+                <a:solidFill>
+                  <a:srgbClr val="24292F"/>
+                </a:solidFill>
+                <a:latin typeface="-apple-system"/>
+              </a:rPr>
+              <a:t>niform</a:t>
+            </a:r>
+            <a:r>
+              <a:rPr lang="tr-TR" sz="1400" dirty="0">
+                <a:solidFill>
+                  <a:srgbClr val="24292F"/>
+                </a:solidFill>
+                <a:latin typeface="-apple-system"/>
+              </a:rPr>
+              <a:t> </a:t>
+            </a:r>
+            <a:r>
+              <a:rPr lang="tr-TR" sz="1400" b="1" dirty="0">
+                <a:solidFill>
+                  <a:srgbClr val="24292F"/>
+                </a:solidFill>
+                <a:latin typeface="-apple-system"/>
+              </a:rPr>
+              <a:t>R</a:t>
+            </a:r>
+            <a:r>
+              <a:rPr lang="tr-TR" sz="1400" dirty="0">
+                <a:solidFill>
+                  <a:srgbClr val="24292F"/>
+                </a:solidFill>
+                <a:latin typeface="-apple-system"/>
+              </a:rPr>
+              <a:t>esource </a:t>
+            </a:r>
+            <a:r>
+              <a:rPr lang="tr-TR" sz="1400" b="1" dirty="0" err="1">
+                <a:solidFill>
+                  <a:srgbClr val="24292F"/>
+                </a:solidFill>
+                <a:latin typeface="-apple-system"/>
+              </a:rPr>
+              <a:t>L</a:t>
+            </a:r>
+            <a:r>
+              <a:rPr lang="tr-TR" sz="1400" dirty="0" err="1">
+                <a:solidFill>
+                  <a:srgbClr val="24292F"/>
+                </a:solidFill>
+                <a:latin typeface="-apple-system"/>
+              </a:rPr>
+              <a:t>ocator</a:t>
+            </a:r>
+            <a:r>
+              <a:rPr lang="tr-TR" sz="1400" dirty="0">
+                <a:solidFill>
+                  <a:srgbClr val="24292F"/>
+                </a:solidFill>
+                <a:latin typeface="-apple-system"/>
+              </a:rPr>
+              <a:t>) bir web sayfasının konumunu gösterir. Örneğin https://www.patika.dev/ bir URL’dir.</a:t>
+            </a:r>
+          </a:p>
+          <a:p>
+            <a:endParaRPr lang="tr-TR" sz="1400" i="0" dirty="0">
+              <a:solidFill>
+                <a:srgbClr val="24292F"/>
+              </a:solidFill>
+              <a:effectLst/>
+              <a:latin typeface="-apple-system"/>
+            </a:endParaRPr>
+          </a:p>
+          <a:p>
+            <a:r>
+              <a:rPr lang="tr-TR" sz="1400" dirty="0">
+                <a:solidFill>
+                  <a:srgbClr val="24292F"/>
+                </a:solidFill>
+                <a:latin typeface="-apple-system"/>
+              </a:rPr>
+              <a:t>URI (</a:t>
+            </a:r>
+            <a:r>
+              <a:rPr lang="tr-TR" sz="1400" b="1" dirty="0" err="1">
+                <a:solidFill>
+                  <a:srgbClr val="24292F"/>
+                </a:solidFill>
+                <a:latin typeface="-apple-system"/>
+              </a:rPr>
+              <a:t>U</a:t>
+            </a:r>
+            <a:r>
+              <a:rPr lang="tr-TR" sz="1400" dirty="0" err="1">
+                <a:solidFill>
+                  <a:srgbClr val="24292F"/>
+                </a:solidFill>
+                <a:latin typeface="-apple-system"/>
+              </a:rPr>
+              <a:t>niform</a:t>
+            </a:r>
+            <a:r>
+              <a:rPr lang="tr-TR" sz="1400" dirty="0">
+                <a:solidFill>
+                  <a:srgbClr val="24292F"/>
+                </a:solidFill>
+                <a:latin typeface="-apple-system"/>
+              </a:rPr>
+              <a:t> </a:t>
+            </a:r>
+            <a:r>
+              <a:rPr lang="tr-TR" sz="1400" b="1" dirty="0">
+                <a:solidFill>
+                  <a:srgbClr val="24292F"/>
+                </a:solidFill>
+                <a:latin typeface="-apple-system"/>
+              </a:rPr>
+              <a:t>R</a:t>
+            </a:r>
+            <a:r>
+              <a:rPr lang="tr-TR" sz="1400" dirty="0">
+                <a:solidFill>
+                  <a:srgbClr val="24292F"/>
+                </a:solidFill>
+                <a:latin typeface="-apple-system"/>
+              </a:rPr>
+              <a:t>esource </a:t>
+            </a:r>
+            <a:r>
+              <a:rPr lang="tr-TR" sz="1400" b="1" dirty="0" err="1">
+                <a:solidFill>
+                  <a:srgbClr val="24292F"/>
+                </a:solidFill>
+                <a:latin typeface="-apple-system"/>
+              </a:rPr>
+              <a:t>I</a:t>
+            </a:r>
+            <a:r>
+              <a:rPr lang="tr-TR" sz="1400" dirty="0" err="1">
+                <a:solidFill>
+                  <a:srgbClr val="24292F"/>
+                </a:solidFill>
+                <a:latin typeface="-apple-system"/>
+              </a:rPr>
+              <a:t>dentifier</a:t>
+            </a:r>
+            <a:r>
+              <a:rPr lang="tr-TR" sz="1400" dirty="0">
+                <a:solidFill>
+                  <a:srgbClr val="24292F"/>
+                </a:solidFill>
+                <a:latin typeface="-apple-system"/>
+              </a:rPr>
+              <a:t>) ise bir web sayfasında kaynağı gösterir. https://app.patika.dev/courses/java-spring-boot/ bir </a:t>
+            </a:r>
+            <a:r>
+              <a:rPr lang="tr-TR" sz="1400" dirty="0" err="1">
+                <a:solidFill>
+                  <a:srgbClr val="24292F"/>
+                </a:solidFill>
+                <a:latin typeface="-apple-system"/>
+              </a:rPr>
+              <a:t>URI’dir</a:t>
+            </a:r>
+            <a:r>
+              <a:rPr lang="tr-TR" sz="1400" dirty="0">
+                <a:solidFill>
+                  <a:srgbClr val="24292F"/>
+                </a:solidFill>
+                <a:latin typeface="-apple-system"/>
+              </a:rPr>
+              <a:t>. </a:t>
+            </a:r>
+          </a:p>
+          <a:p>
+            <a:endParaRPr lang="tr-TR" sz="1400" dirty="0">
+              <a:solidFill>
+                <a:srgbClr val="24292F"/>
+              </a:solidFill>
+              <a:latin typeface="-apple-system"/>
+            </a:endParaRPr>
+          </a:p>
+          <a:p>
+            <a:r>
+              <a:rPr lang="tr-TR" sz="1400" dirty="0">
+                <a:solidFill>
+                  <a:srgbClr val="24292F"/>
+                </a:solidFill>
+                <a:latin typeface="-apple-system"/>
+              </a:rPr>
+              <a:t>URL ile URI arasındaki temel fark URI bir kaynağın alt serverda bulunan alt dizine yani alt sayfaya giden URL’nin alt dizinidir.</a:t>
+            </a:r>
+          </a:p>
+          <a:p>
+            <a:endParaRPr lang="tr-TR" dirty="0">
+              <a:solidFill>
+                <a:srgbClr val="24292F"/>
+              </a:solidFill>
+              <a:latin typeface="-apple-system"/>
+            </a:endParaRPr>
           </a:p>
           <a:p>
             <a:endParaRPr lang="tr-TR" dirty="0"/>
@@ -3856,7 +3848,7 @@
     </p:spTree>
     <p:extLst>
       <p:ext uri="{BB962C8B-B14F-4D97-AF65-F5344CB8AC3E}">
-        <p14:creationId xmlns:p14="http://schemas.microsoft.com/office/powerpoint/2010/main" val="1520216119"/>
+        <p14:creationId xmlns:p14="http://schemas.microsoft.com/office/powerpoint/2010/main" val="1538745011"/>
       </p:ext>
     </p:extLst>
   </p:cSld>
@@ -3934,6 +3926,189 @@
         <p:spPr>
           <a:xfrm>
             <a:off x="499621" y="1192491"/>
+            <a:ext cx="10501460" cy="1569660"/>
+          </a:xfrm>
+          <a:prstGeom prst="rect">
+            <a:avLst/>
+          </a:prstGeom>
+          <a:noFill/>
+        </p:spPr>
+        <p:txBody>
+          <a:bodyPr wrap="square" rtlCol="0">
+            <a:spAutoFit/>
+          </a:bodyPr>
+          <a:lstStyle/>
+          <a:p>
+            <a:pPr algn="l"/>
+            <a:r>
+              <a:rPr lang="tr-TR" sz="2400" b="1" dirty="0">
+                <a:solidFill>
+                  <a:srgbClr val="24292F"/>
+                </a:solidFill>
+                <a:latin typeface="-apple-system"/>
+              </a:rPr>
+              <a:t>2) </a:t>
+            </a:r>
+            <a:r>
+              <a:rPr lang="tr-TR" sz="2400" b="1" i="0" dirty="0">
+                <a:solidFill>
+                  <a:srgbClr val="24292F"/>
+                </a:solidFill>
+                <a:effectLst/>
+                <a:latin typeface="-apple-system"/>
+              </a:rPr>
+              <a:t>HTTP yapısı nedir ne için kullanılır?</a:t>
+            </a:r>
+          </a:p>
+          <a:p>
+            <a:endParaRPr lang="tr-TR" b="1" dirty="0">
+              <a:solidFill>
+                <a:srgbClr val="24292F"/>
+              </a:solidFill>
+              <a:latin typeface="-apple-system"/>
+            </a:endParaRPr>
+          </a:p>
+          <a:p>
+            <a:r>
+              <a:rPr lang="tr-TR" dirty="0" err="1">
+                <a:solidFill>
+                  <a:srgbClr val="24292F"/>
+                </a:solidFill>
+                <a:latin typeface="-apple-system"/>
+              </a:rPr>
+              <a:t>Hypertext</a:t>
+            </a:r>
+            <a:r>
+              <a:rPr lang="tr-TR" dirty="0">
+                <a:solidFill>
+                  <a:srgbClr val="24292F"/>
+                </a:solidFill>
+                <a:latin typeface="-apple-system"/>
+              </a:rPr>
+              <a:t> Transfer Protocol olarak kısaltılır. İstemciden sunuculara talep gönderme ve gelen cevapların karşılanması için istemci ve sunucu arasındaki bağlantının protokolüdür.</a:t>
+            </a:r>
+          </a:p>
+          <a:p>
+            <a:endParaRPr lang="tr-TR" dirty="0"/>
+          </a:p>
+        </p:txBody>
+      </p:sp>
+      <p:sp>
+        <p:nvSpPr>
+          <p:cNvPr id="7" name="Metin kutusu 6">
+            <a:extLst>
+              <a:ext uri="{FF2B5EF4-FFF2-40B4-BE49-F238E27FC236}">
+                <a16:creationId xmlns:a16="http://schemas.microsoft.com/office/drawing/2014/main" id="{005D5E2F-B8FD-3DD0-9BF1-88DB44BA54BE}"/>
+              </a:ext>
+            </a:extLst>
+          </p:cNvPr>
+          <p:cNvSpPr txBox="1"/>
+          <p:nvPr/>
+        </p:nvSpPr>
+        <p:spPr>
+          <a:xfrm>
+            <a:off x="10454327" y="6325385"/>
+            <a:ext cx="1574276" cy="307777"/>
+          </a:xfrm>
+          <a:prstGeom prst="rect">
+            <a:avLst/>
+          </a:prstGeom>
+          <a:noFill/>
+        </p:spPr>
+        <p:txBody>
+          <a:bodyPr wrap="square" rtlCol="0">
+            <a:spAutoFit/>
+          </a:bodyPr>
+          <a:lstStyle/>
+          <a:p>
+            <a:r>
+              <a:rPr lang="tr-TR" sz="1400" dirty="0"/>
+              <a:t>İbrahim BAYRAMLI</a:t>
+            </a:r>
+          </a:p>
+        </p:txBody>
+      </p:sp>
+    </p:spTree>
+    <p:extLst>
+      <p:ext uri="{BB962C8B-B14F-4D97-AF65-F5344CB8AC3E}">
+        <p14:creationId xmlns:p14="http://schemas.microsoft.com/office/powerpoint/2010/main" val="1520216119"/>
+      </p:ext>
+    </p:extLst>
+  </p:cSld>
+  <p:clrMapOvr>
+    <a:masterClrMapping/>
+  </p:clrMapOvr>
+</p:sld>
+</file>
+
+<file path=ppt/slides/slide4.xml><?xml version="1.0" encoding="utf-8"?>
+<p:sld xmlns:a="http://schemas.openxmlformats.org/drawingml/2006/main" xmlns:r="http://schemas.openxmlformats.org/officeDocument/2006/relationships" xmlns:p="http://schemas.openxmlformats.org/presentationml/2006/main">
+  <p:cSld>
+    <p:spTree>
+      <p:nvGrpSpPr>
+        <p:cNvPr id="1" name=""/>
+        <p:cNvGrpSpPr/>
+        <p:nvPr/>
+      </p:nvGrpSpPr>
+      <p:grpSpPr>
+        <a:xfrm>
+          <a:off x="0" y="0"/>
+          <a:ext cx="0" cy="0"/>
+          <a:chOff x="0" y="0"/>
+          <a:chExt cx="0" cy="0"/>
+        </a:xfrm>
+      </p:grpSpPr>
+      <p:pic>
+        <p:nvPicPr>
+          <p:cNvPr id="5" name="Resim 4">
+            <a:extLst>
+              <a:ext uri="{FF2B5EF4-FFF2-40B4-BE49-F238E27FC236}">
+                <a16:creationId xmlns:a16="http://schemas.microsoft.com/office/drawing/2014/main" id="{9894D552-C42F-C475-16DD-5EA8DFFC67CD}"/>
+              </a:ext>
+            </a:extLst>
+          </p:cNvPr>
+          <p:cNvPicPr>
+            <a:picLocks noChangeAspect="1"/>
+          </p:cNvPicPr>
+          <p:nvPr/>
+        </p:nvPicPr>
+        <p:blipFill>
+          <a:blip r:embed="rId2">
+            <a:extLst>
+              <a:ext uri="{28A0092B-C50C-407E-A947-70E740481C1C}">
+                <a14:useLocalDpi xmlns:a14="http://schemas.microsoft.com/office/drawing/2010/main" val="0"/>
+              </a:ext>
+            </a:extLst>
+          </a:blip>
+          <a:stretch>
+            <a:fillRect/>
+          </a:stretch>
+        </p:blipFill>
+        <p:spPr>
+          <a:xfrm>
+            <a:off x="291830" y="175098"/>
+            <a:ext cx="2315490" cy="603115"/>
+          </a:xfrm>
+          <a:prstGeom prst="rect">
+            <a:avLst/>
+          </a:prstGeom>
+        </p:spPr>
+      </p:pic>
+      <p:sp>
+        <p:nvSpPr>
+          <p:cNvPr id="6" name="Metin kutusu 5">
+            <a:extLst>
+              <a:ext uri="{FF2B5EF4-FFF2-40B4-BE49-F238E27FC236}">
+                <a16:creationId xmlns:a16="http://schemas.microsoft.com/office/drawing/2014/main" id="{6FF56696-AFDF-47E6-38F2-400748118E36}"/>
+              </a:ext>
+            </a:extLst>
+          </p:cNvPr>
+          <p:cNvSpPr txBox="1"/>
+          <p:nvPr/>
+        </p:nvSpPr>
+        <p:spPr>
+          <a:xfrm>
+            <a:off x="499621" y="1192491"/>
             <a:ext cx="10501460" cy="1846659"/>
           </a:xfrm>
           <a:prstGeom prst="rect">
@@ -4214,7 +4389,7 @@
 </p:sld>
 </file>
 
-<file path=ppt/slides/slide4.xml><?xml version="1.0" encoding="utf-8"?>
+<file path=ppt/slides/slide5.xml><?xml version="1.0" encoding="utf-8"?>
 <p:sld xmlns:a="http://schemas.openxmlformats.org/drawingml/2006/main" xmlns:r="http://schemas.openxmlformats.org/officeDocument/2006/relationships" xmlns:p="http://schemas.openxmlformats.org/presentationml/2006/main">
   <p:cSld>
     <p:spTree>
